--- a/PPT· SlidesCarnival.pptx
+++ b/PPT· SlidesCarnival.pptx
@@ -23,14 +23,14 @@
   <p:notesSz cx="6858000" cy="9144000"/>
   <p:embeddedFontLst>
     <p:embeddedFont>
-      <p:font typeface="Titillium Web" panose="020B0604020202020204" charset="0"/>
+      <p:font typeface="Titillium Web" pitchFamily="2" charset="77"/>
       <p:regular r:id="rId13"/>
       <p:bold r:id="rId14"/>
       <p:italic r:id="rId15"/>
       <p:boldItalic r:id="rId16"/>
     </p:embeddedFont>
     <p:embeddedFont>
-      <p:font typeface="Titillium Web ExtraLight" panose="020B0604020202020204" charset="0"/>
+      <p:font typeface="Titillium Web ExtraLight" pitchFamily="2" charset="77"/>
       <p:regular r:id="rId17"/>
       <p:bold r:id="rId18"/>
       <p:italic r:id="rId19"/>
@@ -266,6 +266,11 @@
       </a:defRPr>
     </a:lvl9pPr>
   </p:defaultTextStyle>
+  <p:extLst>
+    <p:ext uri="{EFAFB233-063F-42B5-8137-9DF3F51BA10A}">
+      <p15:sldGuideLst xmlns:p15="http://schemas.microsoft.com/office/powerpoint/2012/main"/>
+    </p:ext>
+  </p:extLst>
 </p:presentation>
 </file>
 
@@ -36612,36 +36617,6 @@
           </a:p>
         </p:txBody>
       </p:sp>
-      <p:pic>
-        <p:nvPicPr>
-          <p:cNvPr id="2" name="Picture 1">
-            <a:extLst>
-              <a:ext uri="{FF2B5EF4-FFF2-40B4-BE49-F238E27FC236}">
-                <a16:creationId xmlns:a16="http://schemas.microsoft.com/office/drawing/2014/main" id="{84D83F9C-2701-407D-A37B-3198AA4093BF}"/>
-              </a:ext>
-            </a:extLst>
-          </p:cNvPr>
-          <p:cNvPicPr>
-            <a:picLocks noChangeAspect="1"/>
-          </p:cNvPicPr>
-          <p:nvPr/>
-        </p:nvPicPr>
-        <p:blipFill>
-          <a:blip r:embed="rId3"/>
-          <a:stretch>
-            <a:fillRect/>
-          </a:stretch>
-        </p:blipFill>
-        <p:spPr>
-          <a:xfrm>
-            <a:off x="3873714" y="1016252"/>
-            <a:ext cx="4450799" cy="2842200"/>
-          </a:xfrm>
-          <a:prstGeom prst="rect">
-            <a:avLst/>
-          </a:prstGeom>
-        </p:spPr>
-      </p:pic>
       <p:sp>
         <p:nvSpPr>
           <p:cNvPr id="3" name="TextBox 2">
@@ -36681,6 +36656,46 @@
           </a:p>
         </p:txBody>
       </p:sp>
+      <p:pic>
+        <p:nvPicPr>
+          <p:cNvPr id="5" name="Picture 4" descr="A screenshot of a cell phone&#10;&#10;Description automatically generated">
+            <a:extLst>
+              <a:ext uri="{FF2B5EF4-FFF2-40B4-BE49-F238E27FC236}">
+                <a16:creationId xmlns:a16="http://schemas.microsoft.com/office/drawing/2014/main" id="{CE7DF7AA-05F1-0542-B0A4-E1636EBFA449}"/>
+              </a:ext>
+            </a:extLst>
+          </p:cNvPr>
+          <p:cNvPicPr>
+            <a:picLocks noChangeAspect="1"/>
+          </p:cNvPicPr>
+          <p:nvPr/>
+        </p:nvPicPr>
+        <p:blipFill>
+          <a:blip r:embed="rId3"/>
+          <a:stretch>
+            <a:fillRect/>
+          </a:stretch>
+        </p:blipFill>
+        <p:spPr>
+          <a:xfrm>
+            <a:off x="3756211" y="992399"/>
+            <a:ext cx="4728982" cy="2842200"/>
+          </a:xfrm>
+          <a:prstGeom prst="rect">
+            <a:avLst/>
+          </a:prstGeom>
+          <a:ln>
+            <a:noFill/>
+          </a:ln>
+          <a:effectLst>
+            <a:outerShdw blurRad="190500" algn="tl" rotWithShape="0">
+              <a:srgbClr val="000000">
+                <a:alpha val="70000"/>
+              </a:srgbClr>
+            </a:outerShdw>
+          </a:effectLst>
+        </p:spPr>
+      </p:pic>
     </p:spTree>
   </p:cSld>
   <p:clrMapOvr>
